--- a/Group_1_Slides.pptx
+++ b/Group_1_Slides.pptx
@@ -6,6 +6,13 @@
   </p:sldMasterIdLst>
   <p:sldIdLst>
     <p:sldId id="256" r:id="rId2"/>
+    <p:sldId id="257" r:id="rId3"/>
+    <p:sldId id="258" r:id="rId4"/>
+    <p:sldId id="259" r:id="rId5"/>
+    <p:sldId id="260" r:id="rId6"/>
+    <p:sldId id="261" r:id="rId7"/>
+    <p:sldId id="262" r:id="rId8"/>
+    <p:sldId id="263" r:id="rId9"/>
   </p:sldIdLst>
   <p:sldSz cx="12192000" cy="6858000"/>
   <p:notesSz cx="6858000" cy="9144000"/>
@@ -3342,7 +3349,10 @@
           <a:bodyPr/>
           <a:lstStyle/>
           <a:p>
-            <a:endParaRPr lang="en-US"/>
+            <a:r>
+              <a:rPr lang="en-US" dirty="0"/>
+              <a:t>Chess Games Analysis</a:t>
+            </a:r>
           </a:p>
         </p:txBody>
       </p:sp>
@@ -3367,7 +3377,7 @@
           <a:bodyPr/>
           <a:lstStyle/>
           <a:p>
-            <a:endParaRPr lang="en-US"/>
+            <a:endParaRPr lang="en-US" dirty="0"/>
           </a:p>
         </p:txBody>
       </p:sp>
@@ -3375,6 +3385,587 @@
     <p:extLst>
       <p:ext uri="{BB962C8B-B14F-4D97-AF65-F5344CB8AC3E}">
         <p14:creationId xmlns:p14="http://schemas.microsoft.com/office/powerpoint/2010/main" val="2796911399"/>
+      </p:ext>
+    </p:extLst>
+  </p:cSld>
+  <p:clrMapOvr>
+    <a:masterClrMapping/>
+  </p:clrMapOvr>
+</p:sld>
+</file>
+
+<file path=ppt/slides/slide2.xml><?xml version="1.0" encoding="utf-8"?>
+<p:sld xmlns:a="http://schemas.openxmlformats.org/drawingml/2006/main" xmlns:r="http://schemas.openxmlformats.org/officeDocument/2006/relationships" xmlns:p="http://schemas.openxmlformats.org/presentationml/2006/main">
+  <p:cSld>
+    <p:spTree>
+      <p:nvGrpSpPr>
+        <p:cNvPr id="1" name=""/>
+        <p:cNvGrpSpPr/>
+        <p:nvPr/>
+      </p:nvGrpSpPr>
+      <p:grpSpPr>
+        <a:xfrm>
+          <a:off x="0" y="0"/>
+          <a:ext cx="0" cy="0"/>
+          <a:chOff x="0" y="0"/>
+          <a:chExt cx="0" cy="0"/>
+        </a:xfrm>
+      </p:grpSpPr>
+      <p:sp>
+        <p:nvSpPr>
+          <p:cNvPr id="2" name="Title 1">
+            <a:extLst>
+              <a:ext uri="{FF2B5EF4-FFF2-40B4-BE49-F238E27FC236}">
+                <a16:creationId xmlns:a16="http://schemas.microsoft.com/office/drawing/2014/main" id="{E01DD4AF-E8A2-59E6-212D-7E51470AC34C}"/>
+              </a:ext>
+            </a:extLst>
+          </p:cNvPr>
+          <p:cNvSpPr>
+            <a:spLocks noGrp="1"/>
+          </p:cNvSpPr>
+          <p:nvPr>
+            <p:ph type="title"/>
+          </p:nvPr>
+        </p:nvSpPr>
+        <p:spPr/>
+        <p:txBody>
+          <a:bodyPr/>
+          <a:lstStyle/>
+          <a:p>
+            <a:r>
+              <a:rPr lang="en-US" dirty="0"/>
+              <a:t>Background</a:t>
+            </a:r>
+          </a:p>
+        </p:txBody>
+      </p:sp>
+      <p:sp>
+        <p:nvSpPr>
+          <p:cNvPr id="3" name="Content Placeholder 2">
+            <a:extLst>
+              <a:ext uri="{FF2B5EF4-FFF2-40B4-BE49-F238E27FC236}">
+                <a16:creationId xmlns:a16="http://schemas.microsoft.com/office/drawing/2014/main" id="{FFA04105-D397-AA0D-5EAC-BE64A13A295B}"/>
+              </a:ext>
+            </a:extLst>
+          </p:cNvPr>
+          <p:cNvSpPr>
+            <a:spLocks noGrp="1"/>
+          </p:cNvSpPr>
+          <p:nvPr>
+            <p:ph idx="1"/>
+          </p:nvPr>
+        </p:nvSpPr>
+        <p:spPr/>
+        <p:txBody>
+          <a:bodyPr/>
+          <a:lstStyle/>
+          <a:p>
+            <a:endParaRPr lang="en-US" dirty="0"/>
+          </a:p>
+        </p:txBody>
+      </p:sp>
+    </p:spTree>
+    <p:extLst>
+      <p:ext uri="{BB962C8B-B14F-4D97-AF65-F5344CB8AC3E}">
+        <p14:creationId xmlns:p14="http://schemas.microsoft.com/office/powerpoint/2010/main" val="3338760605"/>
+      </p:ext>
+    </p:extLst>
+  </p:cSld>
+  <p:clrMapOvr>
+    <a:masterClrMapping/>
+  </p:clrMapOvr>
+</p:sld>
+</file>
+
+<file path=ppt/slides/slide3.xml><?xml version="1.0" encoding="utf-8"?>
+<p:sld xmlns:a="http://schemas.openxmlformats.org/drawingml/2006/main" xmlns:r="http://schemas.openxmlformats.org/officeDocument/2006/relationships" xmlns:p="http://schemas.openxmlformats.org/presentationml/2006/main">
+  <p:cSld>
+    <p:spTree>
+      <p:nvGrpSpPr>
+        <p:cNvPr id="1" name=""/>
+        <p:cNvGrpSpPr/>
+        <p:nvPr/>
+      </p:nvGrpSpPr>
+      <p:grpSpPr>
+        <a:xfrm>
+          <a:off x="0" y="0"/>
+          <a:ext cx="0" cy="0"/>
+          <a:chOff x="0" y="0"/>
+          <a:chExt cx="0" cy="0"/>
+        </a:xfrm>
+      </p:grpSpPr>
+      <p:sp>
+        <p:nvSpPr>
+          <p:cNvPr id="2" name="Title 1">
+            <a:extLst>
+              <a:ext uri="{FF2B5EF4-FFF2-40B4-BE49-F238E27FC236}">
+                <a16:creationId xmlns:a16="http://schemas.microsoft.com/office/drawing/2014/main" id="{0E39B80D-EFD9-2473-7158-069541F9B5E9}"/>
+              </a:ext>
+            </a:extLst>
+          </p:cNvPr>
+          <p:cNvSpPr>
+            <a:spLocks noGrp="1"/>
+          </p:cNvSpPr>
+          <p:nvPr>
+            <p:ph type="title"/>
+          </p:nvPr>
+        </p:nvSpPr>
+        <p:spPr/>
+        <p:txBody>
+          <a:bodyPr/>
+          <a:lstStyle/>
+          <a:p>
+            <a:r>
+              <a:rPr lang="en-US" dirty="0"/>
+              <a:t>Datasets</a:t>
+            </a:r>
+          </a:p>
+        </p:txBody>
+      </p:sp>
+      <p:sp>
+        <p:nvSpPr>
+          <p:cNvPr id="3" name="Content Placeholder 2">
+            <a:extLst>
+              <a:ext uri="{FF2B5EF4-FFF2-40B4-BE49-F238E27FC236}">
+                <a16:creationId xmlns:a16="http://schemas.microsoft.com/office/drawing/2014/main" id="{FA2F203E-5FA4-7C6B-270C-1AAFA979F538}"/>
+              </a:ext>
+            </a:extLst>
+          </p:cNvPr>
+          <p:cNvSpPr>
+            <a:spLocks noGrp="1"/>
+          </p:cNvSpPr>
+          <p:nvPr>
+            <p:ph idx="1"/>
+          </p:nvPr>
+        </p:nvSpPr>
+        <p:spPr/>
+        <p:txBody>
+          <a:bodyPr/>
+          <a:lstStyle/>
+          <a:p>
+            <a:endParaRPr lang="en-US" dirty="0"/>
+          </a:p>
+        </p:txBody>
+      </p:sp>
+    </p:spTree>
+    <p:extLst>
+      <p:ext uri="{BB962C8B-B14F-4D97-AF65-F5344CB8AC3E}">
+        <p14:creationId xmlns:p14="http://schemas.microsoft.com/office/powerpoint/2010/main" val="699026586"/>
+      </p:ext>
+    </p:extLst>
+  </p:cSld>
+  <p:clrMapOvr>
+    <a:masterClrMapping/>
+  </p:clrMapOvr>
+</p:sld>
+</file>
+
+<file path=ppt/slides/slide4.xml><?xml version="1.0" encoding="utf-8"?>
+<p:sld xmlns:a="http://schemas.openxmlformats.org/drawingml/2006/main" xmlns:r="http://schemas.openxmlformats.org/officeDocument/2006/relationships" xmlns:p="http://schemas.openxmlformats.org/presentationml/2006/main">
+  <p:cSld>
+    <p:spTree>
+      <p:nvGrpSpPr>
+        <p:cNvPr id="1" name=""/>
+        <p:cNvGrpSpPr/>
+        <p:nvPr/>
+      </p:nvGrpSpPr>
+      <p:grpSpPr>
+        <a:xfrm>
+          <a:off x="0" y="0"/>
+          <a:ext cx="0" cy="0"/>
+          <a:chOff x="0" y="0"/>
+          <a:chExt cx="0" cy="0"/>
+        </a:xfrm>
+      </p:grpSpPr>
+      <p:sp>
+        <p:nvSpPr>
+          <p:cNvPr id="2" name="Title 1">
+            <a:extLst>
+              <a:ext uri="{FF2B5EF4-FFF2-40B4-BE49-F238E27FC236}">
+                <a16:creationId xmlns:a16="http://schemas.microsoft.com/office/drawing/2014/main" id="{2F5A5D27-F7C1-B964-94A1-DC27B01493E0}"/>
+              </a:ext>
+            </a:extLst>
+          </p:cNvPr>
+          <p:cNvSpPr>
+            <a:spLocks noGrp="1"/>
+          </p:cNvSpPr>
+          <p:nvPr>
+            <p:ph type="title"/>
+          </p:nvPr>
+        </p:nvSpPr>
+        <p:spPr/>
+        <p:txBody>
+          <a:bodyPr/>
+          <a:lstStyle/>
+          <a:p>
+            <a:r>
+              <a:rPr lang="en-US" dirty="0"/>
+              <a:t>Datasets</a:t>
+            </a:r>
+          </a:p>
+        </p:txBody>
+      </p:sp>
+      <p:sp>
+        <p:nvSpPr>
+          <p:cNvPr id="3" name="Content Placeholder 2">
+            <a:extLst>
+              <a:ext uri="{FF2B5EF4-FFF2-40B4-BE49-F238E27FC236}">
+                <a16:creationId xmlns:a16="http://schemas.microsoft.com/office/drawing/2014/main" id="{6C9719E2-9292-7695-880F-E0142A35857A}"/>
+              </a:ext>
+            </a:extLst>
+          </p:cNvPr>
+          <p:cNvSpPr>
+            <a:spLocks noGrp="1"/>
+          </p:cNvSpPr>
+          <p:nvPr>
+            <p:ph idx="1"/>
+          </p:nvPr>
+        </p:nvSpPr>
+        <p:spPr/>
+        <p:txBody>
+          <a:bodyPr/>
+          <a:lstStyle/>
+          <a:p>
+            <a:endParaRPr lang="en-US" dirty="0"/>
+          </a:p>
+        </p:txBody>
+      </p:sp>
+    </p:spTree>
+    <p:extLst>
+      <p:ext uri="{BB962C8B-B14F-4D97-AF65-F5344CB8AC3E}">
+        <p14:creationId xmlns:p14="http://schemas.microsoft.com/office/powerpoint/2010/main" val="2588295528"/>
+      </p:ext>
+    </p:extLst>
+  </p:cSld>
+  <p:clrMapOvr>
+    <a:masterClrMapping/>
+  </p:clrMapOvr>
+</p:sld>
+</file>
+
+<file path=ppt/slides/slide5.xml><?xml version="1.0" encoding="utf-8"?>
+<p:sld xmlns:a="http://schemas.openxmlformats.org/drawingml/2006/main" xmlns:r="http://schemas.openxmlformats.org/officeDocument/2006/relationships" xmlns:p="http://schemas.openxmlformats.org/presentationml/2006/main">
+  <p:cSld>
+    <p:spTree>
+      <p:nvGrpSpPr>
+        <p:cNvPr id="1" name=""/>
+        <p:cNvGrpSpPr/>
+        <p:nvPr/>
+      </p:nvGrpSpPr>
+      <p:grpSpPr>
+        <a:xfrm>
+          <a:off x="0" y="0"/>
+          <a:ext cx="0" cy="0"/>
+          <a:chOff x="0" y="0"/>
+          <a:chExt cx="0" cy="0"/>
+        </a:xfrm>
+      </p:grpSpPr>
+      <p:sp>
+        <p:nvSpPr>
+          <p:cNvPr id="2" name="Title 1">
+            <a:extLst>
+              <a:ext uri="{FF2B5EF4-FFF2-40B4-BE49-F238E27FC236}">
+                <a16:creationId xmlns:a16="http://schemas.microsoft.com/office/drawing/2014/main" id="{E817894B-A887-A3A9-46C0-5A4531EFAF18}"/>
+              </a:ext>
+            </a:extLst>
+          </p:cNvPr>
+          <p:cNvSpPr>
+            <a:spLocks noGrp="1"/>
+          </p:cNvSpPr>
+          <p:nvPr>
+            <p:ph type="title"/>
+          </p:nvPr>
+        </p:nvSpPr>
+        <p:spPr/>
+        <p:txBody>
+          <a:bodyPr/>
+          <a:lstStyle/>
+          <a:p>
+            <a:r>
+              <a:rPr lang="en-US" dirty="0"/>
+              <a:t>Statistical Analysis Questions</a:t>
+            </a:r>
+          </a:p>
+        </p:txBody>
+      </p:sp>
+      <p:sp>
+        <p:nvSpPr>
+          <p:cNvPr id="3" name="Content Placeholder 2">
+            <a:extLst>
+              <a:ext uri="{FF2B5EF4-FFF2-40B4-BE49-F238E27FC236}">
+                <a16:creationId xmlns:a16="http://schemas.microsoft.com/office/drawing/2014/main" id="{2A76A4AC-39B8-A73A-7A0D-D87BC9527B7B}"/>
+              </a:ext>
+            </a:extLst>
+          </p:cNvPr>
+          <p:cNvSpPr>
+            <a:spLocks noGrp="1"/>
+          </p:cNvSpPr>
+          <p:nvPr>
+            <p:ph idx="1"/>
+          </p:nvPr>
+        </p:nvSpPr>
+        <p:spPr/>
+        <p:txBody>
+          <a:bodyPr/>
+          <a:lstStyle/>
+          <a:p>
+            <a:endParaRPr lang="en-US" dirty="0"/>
+          </a:p>
+        </p:txBody>
+      </p:sp>
+    </p:spTree>
+    <p:extLst>
+      <p:ext uri="{BB962C8B-B14F-4D97-AF65-F5344CB8AC3E}">
+        <p14:creationId xmlns:p14="http://schemas.microsoft.com/office/powerpoint/2010/main" val="296177981"/>
+      </p:ext>
+    </p:extLst>
+  </p:cSld>
+  <p:clrMapOvr>
+    <a:masterClrMapping/>
+  </p:clrMapOvr>
+</p:sld>
+</file>
+
+<file path=ppt/slides/slide6.xml><?xml version="1.0" encoding="utf-8"?>
+<p:sld xmlns:a="http://schemas.openxmlformats.org/drawingml/2006/main" xmlns:r="http://schemas.openxmlformats.org/officeDocument/2006/relationships" xmlns:p="http://schemas.openxmlformats.org/presentationml/2006/main">
+  <p:cSld>
+    <p:spTree>
+      <p:nvGrpSpPr>
+        <p:cNvPr id="1" name=""/>
+        <p:cNvGrpSpPr/>
+        <p:nvPr/>
+      </p:nvGrpSpPr>
+      <p:grpSpPr>
+        <a:xfrm>
+          <a:off x="0" y="0"/>
+          <a:ext cx="0" cy="0"/>
+          <a:chOff x="0" y="0"/>
+          <a:chExt cx="0" cy="0"/>
+        </a:xfrm>
+      </p:grpSpPr>
+      <p:sp>
+        <p:nvSpPr>
+          <p:cNvPr id="2" name="Title 1">
+            <a:extLst>
+              <a:ext uri="{FF2B5EF4-FFF2-40B4-BE49-F238E27FC236}">
+                <a16:creationId xmlns:a16="http://schemas.microsoft.com/office/drawing/2014/main" id="{3D735089-6101-C475-7014-DFA121A78FAC}"/>
+              </a:ext>
+            </a:extLst>
+          </p:cNvPr>
+          <p:cNvSpPr>
+            <a:spLocks noGrp="1"/>
+          </p:cNvSpPr>
+          <p:nvPr>
+            <p:ph type="title"/>
+          </p:nvPr>
+        </p:nvSpPr>
+        <p:spPr/>
+        <p:txBody>
+          <a:bodyPr/>
+          <a:lstStyle/>
+          <a:p>
+            <a:r>
+              <a:rPr lang="en-US" dirty="0"/>
+              <a:t>Machine Learning Questions</a:t>
+            </a:r>
+          </a:p>
+        </p:txBody>
+      </p:sp>
+      <p:sp>
+        <p:nvSpPr>
+          <p:cNvPr id="3" name="Content Placeholder 2">
+            <a:extLst>
+              <a:ext uri="{FF2B5EF4-FFF2-40B4-BE49-F238E27FC236}">
+                <a16:creationId xmlns:a16="http://schemas.microsoft.com/office/drawing/2014/main" id="{9AE1FB59-B7CB-93B4-BAA6-A7B6D57007B9}"/>
+              </a:ext>
+            </a:extLst>
+          </p:cNvPr>
+          <p:cNvSpPr>
+            <a:spLocks noGrp="1"/>
+          </p:cNvSpPr>
+          <p:nvPr>
+            <p:ph idx="1"/>
+          </p:nvPr>
+        </p:nvSpPr>
+        <p:spPr/>
+        <p:txBody>
+          <a:bodyPr/>
+          <a:lstStyle/>
+          <a:p>
+            <a:endParaRPr lang="en-US" dirty="0"/>
+          </a:p>
+        </p:txBody>
+      </p:sp>
+    </p:spTree>
+    <p:extLst>
+      <p:ext uri="{BB962C8B-B14F-4D97-AF65-F5344CB8AC3E}">
+        <p14:creationId xmlns:p14="http://schemas.microsoft.com/office/powerpoint/2010/main" val="547963219"/>
+      </p:ext>
+    </p:extLst>
+  </p:cSld>
+  <p:clrMapOvr>
+    <a:masterClrMapping/>
+  </p:clrMapOvr>
+</p:sld>
+</file>
+
+<file path=ppt/slides/slide7.xml><?xml version="1.0" encoding="utf-8"?>
+<p:sld xmlns:a="http://schemas.openxmlformats.org/drawingml/2006/main" xmlns:r="http://schemas.openxmlformats.org/officeDocument/2006/relationships" xmlns:p="http://schemas.openxmlformats.org/presentationml/2006/main">
+  <p:cSld>
+    <p:spTree>
+      <p:nvGrpSpPr>
+        <p:cNvPr id="1" name=""/>
+        <p:cNvGrpSpPr/>
+        <p:nvPr/>
+      </p:nvGrpSpPr>
+      <p:grpSpPr>
+        <a:xfrm>
+          <a:off x="0" y="0"/>
+          <a:ext cx="0" cy="0"/>
+          <a:chOff x="0" y="0"/>
+          <a:chExt cx="0" cy="0"/>
+        </a:xfrm>
+      </p:grpSpPr>
+      <p:sp>
+        <p:nvSpPr>
+          <p:cNvPr id="2" name="Title 1">
+            <a:extLst>
+              <a:ext uri="{FF2B5EF4-FFF2-40B4-BE49-F238E27FC236}">
+                <a16:creationId xmlns:a16="http://schemas.microsoft.com/office/drawing/2014/main" id="{5D28BA65-D8A2-7ABD-E811-2EE64A51B74E}"/>
+              </a:ext>
+            </a:extLst>
+          </p:cNvPr>
+          <p:cNvSpPr>
+            <a:spLocks noGrp="1"/>
+          </p:cNvSpPr>
+          <p:nvPr>
+            <p:ph type="title"/>
+          </p:nvPr>
+        </p:nvSpPr>
+        <p:spPr/>
+        <p:txBody>
+          <a:bodyPr/>
+          <a:lstStyle/>
+          <a:p>
+            <a:r>
+              <a:rPr lang="en-US" dirty="0"/>
+              <a:t>Data Exploration Phase</a:t>
+            </a:r>
+          </a:p>
+        </p:txBody>
+      </p:sp>
+      <p:sp>
+        <p:nvSpPr>
+          <p:cNvPr id="3" name="Content Placeholder 2">
+            <a:extLst>
+              <a:ext uri="{FF2B5EF4-FFF2-40B4-BE49-F238E27FC236}">
+                <a16:creationId xmlns:a16="http://schemas.microsoft.com/office/drawing/2014/main" id="{AB4173BE-0DBF-73FA-D2AD-66EDBAE84AF4}"/>
+              </a:ext>
+            </a:extLst>
+          </p:cNvPr>
+          <p:cNvSpPr>
+            <a:spLocks noGrp="1"/>
+          </p:cNvSpPr>
+          <p:nvPr>
+            <p:ph idx="1"/>
+          </p:nvPr>
+        </p:nvSpPr>
+        <p:spPr/>
+        <p:txBody>
+          <a:bodyPr/>
+          <a:lstStyle/>
+          <a:p>
+            <a:endParaRPr lang="en-US" dirty="0"/>
+          </a:p>
+        </p:txBody>
+      </p:sp>
+    </p:spTree>
+    <p:extLst>
+      <p:ext uri="{BB962C8B-B14F-4D97-AF65-F5344CB8AC3E}">
+        <p14:creationId xmlns:p14="http://schemas.microsoft.com/office/powerpoint/2010/main" val="3521061433"/>
+      </p:ext>
+    </p:extLst>
+  </p:cSld>
+  <p:clrMapOvr>
+    <a:masterClrMapping/>
+  </p:clrMapOvr>
+</p:sld>
+</file>
+
+<file path=ppt/slides/slide8.xml><?xml version="1.0" encoding="utf-8"?>
+<p:sld xmlns:a="http://schemas.openxmlformats.org/drawingml/2006/main" xmlns:r="http://schemas.openxmlformats.org/officeDocument/2006/relationships" xmlns:p="http://schemas.openxmlformats.org/presentationml/2006/main">
+  <p:cSld>
+    <p:spTree>
+      <p:nvGrpSpPr>
+        <p:cNvPr id="1" name=""/>
+        <p:cNvGrpSpPr/>
+        <p:nvPr/>
+      </p:nvGrpSpPr>
+      <p:grpSpPr>
+        <a:xfrm>
+          <a:off x="0" y="0"/>
+          <a:ext cx="0" cy="0"/>
+          <a:chOff x="0" y="0"/>
+          <a:chExt cx="0" cy="0"/>
+        </a:xfrm>
+      </p:grpSpPr>
+      <p:sp>
+        <p:nvSpPr>
+          <p:cNvPr id="2" name="Title 1">
+            <a:extLst>
+              <a:ext uri="{FF2B5EF4-FFF2-40B4-BE49-F238E27FC236}">
+                <a16:creationId xmlns:a16="http://schemas.microsoft.com/office/drawing/2014/main" id="{618A73A7-0D74-2A71-E257-ADBE98D7BC76}"/>
+              </a:ext>
+            </a:extLst>
+          </p:cNvPr>
+          <p:cNvSpPr>
+            <a:spLocks noGrp="1"/>
+          </p:cNvSpPr>
+          <p:nvPr>
+            <p:ph type="title"/>
+          </p:nvPr>
+        </p:nvSpPr>
+        <p:spPr/>
+        <p:txBody>
+          <a:bodyPr/>
+          <a:lstStyle/>
+          <a:p>
+            <a:r>
+              <a:rPr lang="en-US" dirty="0"/>
+              <a:t>Data Analysis Phase</a:t>
+            </a:r>
+          </a:p>
+        </p:txBody>
+      </p:sp>
+      <p:sp>
+        <p:nvSpPr>
+          <p:cNvPr id="3" name="Content Placeholder 2">
+            <a:extLst>
+              <a:ext uri="{FF2B5EF4-FFF2-40B4-BE49-F238E27FC236}">
+                <a16:creationId xmlns:a16="http://schemas.microsoft.com/office/drawing/2014/main" id="{05621533-21BA-EF4C-94D1-6970A04B29AC}"/>
+              </a:ext>
+            </a:extLst>
+          </p:cNvPr>
+          <p:cNvSpPr>
+            <a:spLocks noGrp="1"/>
+          </p:cNvSpPr>
+          <p:nvPr>
+            <p:ph idx="1"/>
+          </p:nvPr>
+        </p:nvSpPr>
+        <p:spPr/>
+        <p:txBody>
+          <a:bodyPr/>
+          <a:lstStyle/>
+          <a:p>
+            <a:endParaRPr lang="en-US" dirty="0"/>
+          </a:p>
+        </p:txBody>
+      </p:sp>
+    </p:spTree>
+    <p:extLst>
+      <p:ext uri="{BB962C8B-B14F-4D97-AF65-F5344CB8AC3E}">
+        <p14:creationId xmlns:p14="http://schemas.microsoft.com/office/powerpoint/2010/main" val="894111538"/>
       </p:ext>
     </p:extLst>
   </p:cSld>

--- a/Group_1_Slides.pptx
+++ b/Group_1_Slides.pptx
@@ -111,6 +111,11 @@
       </a:defRPr>
     </a:lvl9pPr>
   </p:defaultTextStyle>
+  <p:extLst>
+    <p:ext uri="{EFAFB233-063F-42B5-8137-9DF3F51BA10A}">
+      <p15:sldGuideLst xmlns:p15="http://schemas.microsoft.com/office/powerpoint/2012/main"/>
+    </p:ext>
+  </p:extLst>
 </p:presentation>
 </file>
 
@@ -3460,6 +3465,45 @@
           <a:bodyPr/>
           <a:lstStyle/>
           <a:p>
+            <a:r>
+              <a:rPr lang="en-US" dirty="0"/>
+              <a:t>Chess is a game of pattern recognition</a:t>
+            </a:r>
+          </a:p>
+          <a:p>
+            <a:r>
+              <a:rPr lang="en-US" dirty="0"/>
+              <a:t>Machine learning excels at detecting macroscopic patters in data</a:t>
+            </a:r>
+          </a:p>
+          <a:p>
+            <a:r>
+              <a:rPr lang="en-US" dirty="0"/>
+              <a:t>Goals</a:t>
+            </a:r>
+          </a:p>
+          <a:p>
+            <a:pPr lvl="1"/>
+            <a:r>
+              <a:rPr lang="en-US" dirty="0"/>
+              <a:t>Use statistical and machine learning analysis on a large dataset of chess games</a:t>
+            </a:r>
+          </a:p>
+          <a:p>
+            <a:pPr lvl="1"/>
+            <a:r>
+              <a:rPr lang="en-US" dirty="0"/>
+              <a:t>Answer broad questions about how chess is played</a:t>
+            </a:r>
+          </a:p>
+          <a:p>
+            <a:pPr lvl="1"/>
+            <a:r>
+              <a:rPr lang="en-US" dirty="0"/>
+              <a:t>Apply results to our own games to become better players</a:t>
+            </a:r>
+          </a:p>
+          <a:p>
             <a:endParaRPr lang="en-US" dirty="0"/>
           </a:p>
         </p:txBody>
@@ -3543,6 +3587,70 @@
           <a:bodyPr/>
           <a:lstStyle/>
           <a:p>
+            <a:r>
+              <a:rPr lang="en-US" dirty="0"/>
+              <a:t>Random assortment of ~20,000 games played on lichess.org, pulled via </a:t>
+            </a:r>
+            <a:r>
+              <a:rPr lang="en-US" dirty="0" err="1"/>
+              <a:t>Lichess</a:t>
+            </a:r>
+            <a:r>
+              <a:rPr lang="en-US" dirty="0"/>
+              <a:t> API</a:t>
+            </a:r>
+          </a:p>
+          <a:p>
+            <a:pPr lvl="1"/>
+            <a:r>
+              <a:rPr lang="en-US" dirty="0">
+                <a:hlinkClick r:id="rId2"/>
+              </a:rPr>
+              <a:t>Link</a:t>
+            </a:r>
+            <a:endParaRPr lang="en-US" dirty="0"/>
+          </a:p>
+          <a:p>
+            <a:r>
+              <a:rPr lang="en-US" dirty="0"/>
+              <a:t>6.25 million chess games played on lichess.org in July 2016</a:t>
+            </a:r>
+          </a:p>
+          <a:p>
+            <a:pPr lvl="1"/>
+            <a:r>
+              <a:rPr lang="en-US" dirty="0">
+                <a:hlinkClick r:id="rId3"/>
+              </a:rPr>
+              <a:t>Link</a:t>
+            </a:r>
+            <a:endParaRPr lang="en-US" dirty="0"/>
+          </a:p>
+          <a:p>
+            <a:r>
+              <a:rPr lang="en-US" dirty="0"/>
+              <a:t>3.5 million chess games stored in </a:t>
+            </a:r>
+            <a:r>
+              <a:rPr lang="en-US" dirty="0" err="1"/>
+              <a:t>ChessDB</a:t>
+            </a:r>
+            <a:r>
+              <a:rPr lang="en-US" dirty="0"/>
+              <a:t> database from late 1700s to early 2000s</a:t>
+            </a:r>
+          </a:p>
+          <a:p>
+            <a:pPr lvl="1"/>
+            <a:r>
+              <a:rPr lang="en-US" dirty="0">
+                <a:hlinkClick r:id="rId4"/>
+              </a:rPr>
+              <a:t>Link</a:t>
+            </a:r>
+            <a:endParaRPr lang="en-US" dirty="0"/>
+          </a:p>
+          <a:p>
             <a:endParaRPr lang="en-US" dirty="0"/>
           </a:p>
         </p:txBody>
@@ -3626,7 +3734,45 @@
           <a:bodyPr/>
           <a:lstStyle/>
           <a:p>
-            <a:endParaRPr lang="en-US" dirty="0"/>
+            <a:r>
+              <a:rPr lang="en-US" dirty="0"/>
+              <a:t>Information contained in each dataset</a:t>
+            </a:r>
+          </a:p>
+          <a:p>
+            <a:pPr lvl="1"/>
+            <a:r>
+              <a:rPr lang="en-US" dirty="0"/>
+              <a:t>Date/time of game</a:t>
+            </a:r>
+          </a:p>
+          <a:p>
+            <a:pPr lvl="1"/>
+            <a:r>
+              <a:rPr lang="en-US" dirty="0"/>
+              <a:t>Identity of players</a:t>
+            </a:r>
+          </a:p>
+          <a:p>
+            <a:pPr lvl="1"/>
+            <a:r>
+              <a:rPr lang="en-US" dirty="0"/>
+              <a:t>Rating of players</a:t>
+            </a:r>
+          </a:p>
+          <a:p>
+            <a:pPr lvl="1"/>
+            <a:r>
+              <a:rPr lang="en-US" dirty="0"/>
+              <a:t>Winner</a:t>
+            </a:r>
+          </a:p>
+          <a:p>
+            <a:pPr lvl="1"/>
+            <a:r>
+              <a:rPr lang="en-US" dirty="0"/>
+              <a:t>Moves</a:t>
+            </a:r>
           </a:p>
         </p:txBody>
       </p:sp>
@@ -3709,7 +3855,34 @@
           <a:bodyPr/>
           <a:lstStyle/>
           <a:p>
-            <a:endParaRPr lang="en-US" dirty="0"/>
+            <a:r>
+              <a:rPr lang="en-US" dirty="0"/>
+              <a:t>What is the probability of win/lose/draw by color, and does that change by rating bracket?</a:t>
+            </a:r>
+          </a:p>
+          <a:p>
+            <a:r>
+              <a:rPr lang="en-US" dirty="0"/>
+              <a:t>What are the chances of winning based on ELO difference for both white and black, and does this change by rating bracket?</a:t>
+            </a:r>
+          </a:p>
+          <a:p>
+            <a:r>
+              <a:rPr lang="en-US" dirty="0"/>
+              <a:t>What is the most common opening overall and by rating bracket?</a:t>
+            </a:r>
+          </a:p>
+          <a:p>
+            <a:r>
+              <a:rPr lang="en-US" dirty="0"/>
+              <a:t>What opening has the highest win chance by color and by rating bracket?</a:t>
+            </a:r>
+          </a:p>
+          <a:p>
+            <a:r>
+              <a:rPr lang="en-US" dirty="0"/>
+              <a:t>What is the average number of games needed to improve by rating bracket?</a:t>
+            </a:r>
           </a:p>
         </p:txBody>
       </p:sp>
@@ -3792,7 +3965,23 @@
           <a:bodyPr/>
           <a:lstStyle/>
           <a:p>
-            <a:endParaRPr lang="en-US" dirty="0"/>
+            <a:r>
+              <a:rPr lang="en-US" dirty="0"/>
+              <a:t>Does the opening matter?</a:t>
+            </a:r>
+          </a:p>
+          <a:p>
+            <a:pPr lvl="1"/>
+            <a:r>
+              <a:rPr lang="en-US" dirty="0"/>
+              <a:t>If an opening is determined by the first 5 moves, can a machine learning model predict (with a high degree of accuracy) a winner from a color’s first 5 moves?</a:t>
+            </a:r>
+          </a:p>
+          <a:p>
+            <a:r>
+              <a:rPr lang="en-US" dirty="0"/>
+              <a:t>Given an opening, player color, player rating difference, and number of moves, can a winner be predicted with a machine learning model?</a:t>
+            </a:r>
           </a:p>
         </p:txBody>
       </p:sp>
@@ -3875,6 +4064,54 @@
           <a:bodyPr/>
           <a:lstStyle/>
           <a:p>
+            <a:r>
+              <a:rPr lang="en-US" dirty="0"/>
+              <a:t>Sourcing and collecting datasets</a:t>
+            </a:r>
+          </a:p>
+          <a:p>
+            <a:r>
+              <a:rPr lang="en-US" dirty="0"/>
+              <a:t>Removal of unnecessary columns/parameters within datasets</a:t>
+            </a:r>
+          </a:p>
+          <a:p>
+            <a:r>
+              <a:rPr lang="en-US" dirty="0"/>
+              <a:t>Grouping ratings into brackets</a:t>
+            </a:r>
+          </a:p>
+          <a:p>
+            <a:r>
+              <a:rPr lang="en-US" dirty="0"/>
+              <a:t>Loading into SQL</a:t>
+            </a:r>
+          </a:p>
+          <a:p>
+            <a:r>
+              <a:rPr lang="en-US" dirty="0"/>
+              <a:t>Creation of ML model</a:t>
+            </a:r>
+          </a:p>
+          <a:p>
+            <a:pPr lvl="1"/>
+            <a:r>
+              <a:rPr lang="en-US" dirty="0"/>
+              <a:t>Describe the model</a:t>
+            </a:r>
+          </a:p>
+          <a:p>
+            <a:pPr lvl="1"/>
+            <a:r>
+              <a:rPr lang="en-US" dirty="0"/>
+              <a:t>Training/testing split</a:t>
+            </a:r>
+          </a:p>
+          <a:p>
+            <a:r>
+              <a:rPr lang="en-US" dirty="0" err="1"/>
+              <a:t>Etc</a:t>
+            </a:r>
             <a:endParaRPr lang="en-US" dirty="0"/>
           </a:p>
         </p:txBody>

--- a/Group_1_Slides.pptx
+++ b/Group_1_Slides.pptx
@@ -7,12 +7,13 @@
   <p:sldIdLst>
     <p:sldId id="256" r:id="rId2"/>
     <p:sldId id="257" r:id="rId3"/>
-    <p:sldId id="258" r:id="rId4"/>
-    <p:sldId id="259" r:id="rId5"/>
-    <p:sldId id="260" r:id="rId6"/>
-    <p:sldId id="261" r:id="rId7"/>
-    <p:sldId id="262" r:id="rId8"/>
-    <p:sldId id="263" r:id="rId9"/>
+    <p:sldId id="264" r:id="rId4"/>
+    <p:sldId id="258" r:id="rId5"/>
+    <p:sldId id="259" r:id="rId6"/>
+    <p:sldId id="262" r:id="rId7"/>
+    <p:sldId id="263" r:id="rId8"/>
+    <p:sldId id="260" r:id="rId9"/>
+    <p:sldId id="261" r:id="rId10"/>
   </p:sldIdLst>
   <p:sldSz cx="12192000" cy="6858000"/>
   <p:notesSz cx="6858000" cy="9144000"/>
@@ -266,7 +267,7 @@
           <a:p>
             <a:fld id="{B53D3F65-AFE8-47D6-ADEE-04E50C9D92F0}" type="datetimeFigureOut">
               <a:rPr lang="en-US" smtClean="0"/>
-              <a:t>5/13/2022</a:t>
+              <a:t>5/15/2022</a:t>
             </a:fld>
             <a:endParaRPr lang="en-US"/>
           </a:p>
@@ -464,7 +465,7 @@
           <a:p>
             <a:fld id="{B53D3F65-AFE8-47D6-ADEE-04E50C9D92F0}" type="datetimeFigureOut">
               <a:rPr lang="en-US" smtClean="0"/>
-              <a:t>5/13/2022</a:t>
+              <a:t>5/15/2022</a:t>
             </a:fld>
             <a:endParaRPr lang="en-US"/>
           </a:p>
@@ -672,7 +673,7 @@
           <a:p>
             <a:fld id="{B53D3F65-AFE8-47D6-ADEE-04E50C9D92F0}" type="datetimeFigureOut">
               <a:rPr lang="en-US" smtClean="0"/>
-              <a:t>5/13/2022</a:t>
+              <a:t>5/15/2022</a:t>
             </a:fld>
             <a:endParaRPr lang="en-US"/>
           </a:p>
@@ -870,7 +871,7 @@
           <a:p>
             <a:fld id="{B53D3F65-AFE8-47D6-ADEE-04E50C9D92F0}" type="datetimeFigureOut">
               <a:rPr lang="en-US" smtClean="0"/>
-              <a:t>5/13/2022</a:t>
+              <a:t>5/15/2022</a:t>
             </a:fld>
             <a:endParaRPr lang="en-US"/>
           </a:p>
@@ -1145,7 +1146,7 @@
           <a:p>
             <a:fld id="{B53D3F65-AFE8-47D6-ADEE-04E50C9D92F0}" type="datetimeFigureOut">
               <a:rPr lang="en-US" smtClean="0"/>
-              <a:t>5/13/2022</a:t>
+              <a:t>5/15/2022</a:t>
             </a:fld>
             <a:endParaRPr lang="en-US"/>
           </a:p>
@@ -1410,7 +1411,7 @@
           <a:p>
             <a:fld id="{B53D3F65-AFE8-47D6-ADEE-04E50C9D92F0}" type="datetimeFigureOut">
               <a:rPr lang="en-US" smtClean="0"/>
-              <a:t>5/13/2022</a:t>
+              <a:t>5/15/2022</a:t>
             </a:fld>
             <a:endParaRPr lang="en-US"/>
           </a:p>
@@ -1822,7 +1823,7 @@
           <a:p>
             <a:fld id="{B53D3F65-AFE8-47D6-ADEE-04E50C9D92F0}" type="datetimeFigureOut">
               <a:rPr lang="en-US" smtClean="0"/>
-              <a:t>5/13/2022</a:t>
+              <a:t>5/15/2022</a:t>
             </a:fld>
             <a:endParaRPr lang="en-US"/>
           </a:p>
@@ -1963,7 +1964,7 @@
           <a:p>
             <a:fld id="{B53D3F65-AFE8-47D6-ADEE-04E50C9D92F0}" type="datetimeFigureOut">
               <a:rPr lang="en-US" smtClean="0"/>
-              <a:t>5/13/2022</a:t>
+              <a:t>5/15/2022</a:t>
             </a:fld>
             <a:endParaRPr lang="en-US"/>
           </a:p>
@@ -2076,7 +2077,7 @@
           <a:p>
             <a:fld id="{B53D3F65-AFE8-47D6-ADEE-04E50C9D92F0}" type="datetimeFigureOut">
               <a:rPr lang="en-US" smtClean="0"/>
-              <a:t>5/13/2022</a:t>
+              <a:t>5/15/2022</a:t>
             </a:fld>
             <a:endParaRPr lang="en-US"/>
           </a:p>
@@ -2387,7 +2388,7 @@
           <a:p>
             <a:fld id="{B53D3F65-AFE8-47D6-ADEE-04E50C9D92F0}" type="datetimeFigureOut">
               <a:rPr lang="en-US" smtClean="0"/>
-              <a:t>5/13/2022</a:t>
+              <a:t>5/15/2022</a:t>
             </a:fld>
             <a:endParaRPr lang="en-US"/>
           </a:p>
@@ -2675,7 +2676,7 @@
           <a:p>
             <a:fld id="{B53D3F65-AFE8-47D6-ADEE-04E50C9D92F0}" type="datetimeFigureOut">
               <a:rPr lang="en-US" smtClean="0"/>
-              <a:t>5/13/2022</a:t>
+              <a:t>5/15/2022</a:t>
             </a:fld>
             <a:endParaRPr lang="en-US"/>
           </a:p>
@@ -2916,7 +2917,7 @@
           <a:p>
             <a:fld id="{B53D3F65-AFE8-47D6-ADEE-04E50C9D92F0}" type="datetimeFigureOut">
               <a:rPr lang="en-US" smtClean="0"/>
-              <a:t>5/13/2022</a:t>
+              <a:t>5/15/2022</a:t>
             </a:fld>
             <a:endParaRPr lang="en-US"/>
           </a:p>
@@ -3543,7 +3544,7 @@
           <p:cNvPr id="2" name="Title 1">
             <a:extLst>
               <a:ext uri="{FF2B5EF4-FFF2-40B4-BE49-F238E27FC236}">
-                <a16:creationId xmlns:a16="http://schemas.microsoft.com/office/drawing/2014/main" id="{0E39B80D-EFD9-2473-7158-069541F9B5E9}"/>
+                <a16:creationId xmlns:a16="http://schemas.microsoft.com/office/drawing/2014/main" id="{C26FAF5E-2DAF-9A88-BAA9-121383A75D21}"/>
               </a:ext>
             </a:extLst>
           </p:cNvPr>
@@ -3561,7 +3562,7 @@
           <a:p>
             <a:r>
               <a:rPr lang="en-US" dirty="0"/>
-              <a:t>Datasets</a:t>
+              <a:t>Communication Protocols</a:t>
             </a:r>
           </a:p>
         </p:txBody>
@@ -3571,7 +3572,7 @@
           <p:cNvPr id="3" name="Content Placeholder 2">
             <a:extLst>
               <a:ext uri="{FF2B5EF4-FFF2-40B4-BE49-F238E27FC236}">
-                <a16:creationId xmlns:a16="http://schemas.microsoft.com/office/drawing/2014/main" id="{FA2F203E-5FA4-7C6B-270C-1AAFA979F538}"/>
+                <a16:creationId xmlns:a16="http://schemas.microsoft.com/office/drawing/2014/main" id="{B30CE442-3C4A-6510-3C73-C9A0159EB860}"/>
               </a:ext>
             </a:extLst>
           </p:cNvPr>
@@ -3589,76 +3590,35 @@
           <a:p>
             <a:r>
               <a:rPr lang="en-US" dirty="0"/>
-              <a:t>Random assortment of ~20,000 games played on lichess.org, pulled via </a:t>
-            </a:r>
-            <a:r>
-              <a:rPr lang="en-US" dirty="0" err="1"/>
-              <a:t>Lichess</a:t>
-            </a:r>
-            <a:r>
-              <a:rPr lang="en-US" dirty="0"/>
-              <a:t> API</a:t>
+              <a:t>Meeting via Zoom 3-4 times per week</a:t>
             </a:r>
           </a:p>
           <a:p>
             <a:pPr lvl="1"/>
             <a:r>
-              <a:rPr lang="en-US" dirty="0">
-                <a:hlinkClick r:id="rId2"/>
-              </a:rPr>
-              <a:t>Link</a:t>
-            </a:r>
-            <a:endParaRPr lang="en-US" dirty="0"/>
-          </a:p>
-          <a:p>
-            <a:r>
-              <a:rPr lang="en-US" dirty="0"/>
-              <a:t>6.25 million chess games played on lichess.org in July 2016</a:t>
+              <a:rPr lang="en-US" dirty="0"/>
+              <a:t>Monday and Wednesday lectures, once Friday or Saturday to finalize plans for the segment, and Sunday to make sure everything is set for submission</a:t>
+            </a:r>
+          </a:p>
+          <a:p>
+            <a:r>
+              <a:rPr lang="en-US" dirty="0"/>
+              <a:t>Communicating throughout the week via Slack</a:t>
             </a:r>
           </a:p>
           <a:p>
             <a:pPr lvl="1"/>
             <a:r>
-              <a:rPr lang="en-US" dirty="0">
-                <a:hlinkClick r:id="rId3"/>
-              </a:rPr>
-              <a:t>Link</a:t>
-            </a:r>
-            <a:endParaRPr lang="en-US" dirty="0"/>
-          </a:p>
-          <a:p>
-            <a:r>
-              <a:rPr lang="en-US" dirty="0"/>
-              <a:t>3.5 million chess games stored in </a:t>
-            </a:r>
-            <a:r>
-              <a:rPr lang="en-US" dirty="0" err="1"/>
-              <a:t>ChessDB</a:t>
-            </a:r>
-            <a:r>
-              <a:rPr lang="en-US" dirty="0"/>
-              <a:t> database from late 1700s to early 2000s</a:t>
-            </a:r>
-          </a:p>
-          <a:p>
-            <a:pPr lvl="1"/>
-            <a:r>
-              <a:rPr lang="en-US" dirty="0">
-                <a:hlinkClick r:id="rId4"/>
-              </a:rPr>
-              <a:t>Link</a:t>
-            </a:r>
-            <a:endParaRPr lang="en-US" dirty="0"/>
-          </a:p>
-          <a:p>
-            <a:endParaRPr lang="en-US" dirty="0"/>
+              <a:rPr lang="en-US" dirty="0"/>
+              <a:t>Each member gave periodic updates on their progress and brought up questions that arose when completing their portion of the assignments</a:t>
+            </a:r>
           </a:p>
         </p:txBody>
       </p:sp>
     </p:spTree>
     <p:extLst>
       <p:ext uri="{BB962C8B-B14F-4D97-AF65-F5344CB8AC3E}">
-        <p14:creationId xmlns:p14="http://schemas.microsoft.com/office/powerpoint/2010/main" val="699026586"/>
+        <p14:creationId xmlns:p14="http://schemas.microsoft.com/office/powerpoint/2010/main" val="1528904156"/>
       </p:ext>
     </p:extLst>
   </p:cSld>
@@ -3690,7 +3650,7 @@
           <p:cNvPr id="2" name="Title 1">
             <a:extLst>
               <a:ext uri="{FF2B5EF4-FFF2-40B4-BE49-F238E27FC236}">
-                <a16:creationId xmlns:a16="http://schemas.microsoft.com/office/drawing/2014/main" id="{2F5A5D27-F7C1-B964-94A1-DC27B01493E0}"/>
+                <a16:creationId xmlns:a16="http://schemas.microsoft.com/office/drawing/2014/main" id="{0E39B80D-EFD9-2473-7158-069541F9B5E9}"/>
               </a:ext>
             </a:extLst>
           </p:cNvPr>
@@ -3718,7 +3678,7 @@
           <p:cNvPr id="3" name="Content Placeholder 2">
             <a:extLst>
               <a:ext uri="{FF2B5EF4-FFF2-40B4-BE49-F238E27FC236}">
-                <a16:creationId xmlns:a16="http://schemas.microsoft.com/office/drawing/2014/main" id="{6C9719E2-9292-7695-880F-E0142A35857A}"/>
+                <a16:creationId xmlns:a16="http://schemas.microsoft.com/office/drawing/2014/main" id="{FA2F203E-5FA4-7C6B-270C-1AAFA979F538}"/>
               </a:ext>
             </a:extLst>
           </p:cNvPr>
@@ -3736,50 +3696,76 @@
           <a:p>
             <a:r>
               <a:rPr lang="en-US" dirty="0"/>
-              <a:t>Information contained in each dataset</a:t>
+              <a:t>Random assortment of ~20,000 games played on lichess.org, pulled via </a:t>
+            </a:r>
+            <a:r>
+              <a:rPr lang="en-US" dirty="0" err="1"/>
+              <a:t>Lichess</a:t>
+            </a:r>
+            <a:r>
+              <a:rPr lang="en-US" dirty="0"/>
+              <a:t> API</a:t>
             </a:r>
           </a:p>
           <a:p>
             <a:pPr lvl="1"/>
             <a:r>
-              <a:rPr lang="en-US" dirty="0"/>
-              <a:t>Date/time of game</a:t>
+              <a:rPr lang="en-US" dirty="0">
+                <a:hlinkClick r:id="rId2"/>
+              </a:rPr>
+              <a:t>Link</a:t>
+            </a:r>
+            <a:endParaRPr lang="en-US" dirty="0"/>
+          </a:p>
+          <a:p>
+            <a:r>
+              <a:rPr lang="en-US" dirty="0"/>
+              <a:t>6.25 million chess games played on lichess.org in July 2016</a:t>
             </a:r>
           </a:p>
           <a:p>
             <a:pPr lvl="1"/>
             <a:r>
-              <a:rPr lang="en-US" dirty="0"/>
-              <a:t>Identity of players</a:t>
+              <a:rPr lang="en-US" dirty="0">
+                <a:hlinkClick r:id="rId3"/>
+              </a:rPr>
+              <a:t>Link</a:t>
+            </a:r>
+            <a:endParaRPr lang="en-US" dirty="0"/>
+          </a:p>
+          <a:p>
+            <a:r>
+              <a:rPr lang="en-US" dirty="0"/>
+              <a:t>3.5 million chess games stored in </a:t>
+            </a:r>
+            <a:r>
+              <a:rPr lang="en-US" dirty="0" err="1"/>
+              <a:t>ChessDB</a:t>
+            </a:r>
+            <a:r>
+              <a:rPr lang="en-US" dirty="0"/>
+              <a:t> database from late 1700s to early 2000s</a:t>
             </a:r>
           </a:p>
           <a:p>
             <a:pPr lvl="1"/>
             <a:r>
-              <a:rPr lang="en-US" dirty="0"/>
-              <a:t>Rating of players</a:t>
-            </a:r>
-          </a:p>
-          <a:p>
-            <a:pPr lvl="1"/>
-            <a:r>
-              <a:rPr lang="en-US" dirty="0"/>
-              <a:t>Winner</a:t>
-            </a:r>
-          </a:p>
-          <a:p>
-            <a:pPr lvl="1"/>
-            <a:r>
-              <a:rPr lang="en-US" dirty="0"/>
-              <a:t>Moves</a:t>
-            </a:r>
+              <a:rPr lang="en-US" dirty="0">
+                <a:hlinkClick r:id="rId4"/>
+              </a:rPr>
+              <a:t>Link</a:t>
+            </a:r>
+            <a:endParaRPr lang="en-US" dirty="0"/>
+          </a:p>
+          <a:p>
+            <a:endParaRPr lang="en-US" dirty="0"/>
           </a:p>
         </p:txBody>
       </p:sp>
     </p:spTree>
     <p:extLst>
       <p:ext uri="{BB962C8B-B14F-4D97-AF65-F5344CB8AC3E}">
-        <p14:creationId xmlns:p14="http://schemas.microsoft.com/office/powerpoint/2010/main" val="2588295528"/>
+        <p14:creationId xmlns:p14="http://schemas.microsoft.com/office/powerpoint/2010/main" val="699026586"/>
       </p:ext>
     </p:extLst>
   </p:cSld>
@@ -3811,7 +3797,7 @@
           <p:cNvPr id="2" name="Title 1">
             <a:extLst>
               <a:ext uri="{FF2B5EF4-FFF2-40B4-BE49-F238E27FC236}">
-                <a16:creationId xmlns:a16="http://schemas.microsoft.com/office/drawing/2014/main" id="{E817894B-A887-A3A9-46C0-5A4531EFAF18}"/>
+                <a16:creationId xmlns:a16="http://schemas.microsoft.com/office/drawing/2014/main" id="{2F5A5D27-F7C1-B964-94A1-DC27B01493E0}"/>
               </a:ext>
             </a:extLst>
           </p:cNvPr>
@@ -3829,7 +3815,7 @@
           <a:p>
             <a:r>
               <a:rPr lang="en-US" dirty="0"/>
-              <a:t>Statistical Analysis Questions</a:t>
+              <a:t>Datasets</a:t>
             </a:r>
           </a:p>
         </p:txBody>
@@ -3839,7 +3825,7 @@
           <p:cNvPr id="3" name="Content Placeholder 2">
             <a:extLst>
               <a:ext uri="{FF2B5EF4-FFF2-40B4-BE49-F238E27FC236}">
-                <a16:creationId xmlns:a16="http://schemas.microsoft.com/office/drawing/2014/main" id="{2A76A4AC-39B8-A73A-7A0D-D87BC9527B7B}"/>
+                <a16:creationId xmlns:a16="http://schemas.microsoft.com/office/drawing/2014/main" id="{6C9719E2-9292-7695-880F-E0142A35857A}"/>
               </a:ext>
             </a:extLst>
           </p:cNvPr>
@@ -3857,31 +3843,42 @@
           <a:p>
             <a:r>
               <a:rPr lang="en-US" dirty="0"/>
-              <a:t>What is the probability of win/lose/draw by color, and does that change by rating bracket?</a:t>
-            </a:r>
-          </a:p>
-          <a:p>
-            <a:r>
-              <a:rPr lang="en-US" dirty="0"/>
-              <a:t>What are the chances of winning based on ELO difference for both white and black, and does this change by rating bracket?</a:t>
-            </a:r>
-          </a:p>
-          <a:p>
-            <a:r>
-              <a:rPr lang="en-US" dirty="0"/>
-              <a:t>What is the most common opening overall and by rating bracket?</a:t>
-            </a:r>
-          </a:p>
-          <a:p>
-            <a:r>
-              <a:rPr lang="en-US" dirty="0"/>
-              <a:t>What opening has the highest win chance by color and by rating bracket?</a:t>
-            </a:r>
-          </a:p>
-          <a:p>
-            <a:r>
-              <a:rPr lang="en-US" dirty="0"/>
-              <a:t>What is the average number of games needed to improve by rating bracket?</a:t>
+              <a:t>Information contained in each dataset</a:t>
+            </a:r>
+          </a:p>
+          <a:p>
+            <a:pPr lvl="1"/>
+            <a:r>
+              <a:rPr lang="en-US" dirty="0"/>
+              <a:t>Date/time of game</a:t>
+            </a:r>
+          </a:p>
+          <a:p>
+            <a:pPr lvl="1"/>
+            <a:r>
+              <a:rPr lang="en-US" dirty="0"/>
+              <a:t>Identity of players</a:t>
+            </a:r>
+          </a:p>
+          <a:p>
+            <a:pPr lvl="1"/>
+            <a:r>
+              <a:rPr lang="en-US" dirty="0"/>
+              <a:t>Rating of players</a:t>
+            </a:r>
+          </a:p>
+          <a:p>
+            <a:pPr lvl="1"/>
+            <a:r>
+              <a:rPr lang="en-US" dirty="0"/>
+              <a:t>Winner</a:t>
+            </a:r>
+          </a:p>
+          <a:p>
+            <a:pPr lvl="1"/>
+            <a:r>
+              <a:rPr lang="en-US" dirty="0"/>
+              <a:t>Moves</a:t>
             </a:r>
           </a:p>
         </p:txBody>
@@ -3889,7 +3886,7 @@
     </p:spTree>
     <p:extLst>
       <p:ext uri="{BB962C8B-B14F-4D97-AF65-F5344CB8AC3E}">
-        <p14:creationId xmlns:p14="http://schemas.microsoft.com/office/powerpoint/2010/main" val="296177981"/>
+        <p14:creationId xmlns:p14="http://schemas.microsoft.com/office/powerpoint/2010/main" val="2588295528"/>
       </p:ext>
     </p:extLst>
   </p:cSld>
@@ -3921,7 +3918,7 @@
           <p:cNvPr id="2" name="Title 1">
             <a:extLst>
               <a:ext uri="{FF2B5EF4-FFF2-40B4-BE49-F238E27FC236}">
-                <a16:creationId xmlns:a16="http://schemas.microsoft.com/office/drawing/2014/main" id="{3D735089-6101-C475-7014-DFA121A78FAC}"/>
+                <a16:creationId xmlns:a16="http://schemas.microsoft.com/office/drawing/2014/main" id="{5D28BA65-D8A2-7ABD-E811-2EE64A51B74E}"/>
               </a:ext>
             </a:extLst>
           </p:cNvPr>
@@ -3939,7 +3936,7 @@
           <a:p>
             <a:r>
               <a:rPr lang="en-US" dirty="0"/>
-              <a:t>Machine Learning Questions</a:t>
+              <a:t>Data Exploration Phase</a:t>
             </a:r>
           </a:p>
         </p:txBody>
@@ -3949,7 +3946,7 @@
           <p:cNvPr id="3" name="Content Placeholder 2">
             <a:extLst>
               <a:ext uri="{FF2B5EF4-FFF2-40B4-BE49-F238E27FC236}">
-                <a16:creationId xmlns:a16="http://schemas.microsoft.com/office/drawing/2014/main" id="{9AE1FB59-B7CB-93B4-BAA6-A7B6D57007B9}"/>
+                <a16:creationId xmlns:a16="http://schemas.microsoft.com/office/drawing/2014/main" id="{AB4173BE-0DBF-73FA-D2AD-66EDBAE84AF4}"/>
               </a:ext>
             </a:extLst>
           </p:cNvPr>
@@ -3967,20 +3964,37 @@
           <a:p>
             <a:r>
               <a:rPr lang="en-US" dirty="0"/>
-              <a:t>Does the opening matter?</a:t>
-            </a:r>
-          </a:p>
-          <a:p>
-            <a:pPr lvl="1"/>
-            <a:r>
-              <a:rPr lang="en-US" dirty="0"/>
-              <a:t>If an opening is determined by the first 5 moves, can a machine learning model predict (with a high degree of accuracy) a winner from a color’s first 5 moves?</a:t>
-            </a:r>
-          </a:p>
-          <a:p>
-            <a:r>
-              <a:rPr lang="en-US" dirty="0"/>
-              <a:t>Given an opening, player color, player rating difference, and number of moves, can a winner be predicted with a machine learning model?</a:t>
+              <a:t>Sourcing and collecting datasets</a:t>
+            </a:r>
+          </a:p>
+          <a:p>
+            <a:r>
+              <a:rPr lang="en-US" dirty="0"/>
+              <a:t>Removal of unnecessary columns/parameters within datasets</a:t>
+            </a:r>
+          </a:p>
+          <a:p>
+            <a:r>
+              <a:rPr lang="en-US" dirty="0"/>
+              <a:t>Collation of multiple games played by single players</a:t>
+            </a:r>
+          </a:p>
+          <a:p>
+            <a:r>
+              <a:rPr lang="en-US" dirty="0"/>
+              <a:t>Grouping ratings into brackets</a:t>
+            </a:r>
+          </a:p>
+          <a:p>
+            <a:r>
+              <a:rPr lang="en-US" dirty="0"/>
+              <a:t>Loading into SQL</a:t>
+            </a:r>
+          </a:p>
+          <a:p>
+            <a:r>
+              <a:rPr lang="en-US" dirty="0"/>
+              <a:t>Joining tables</a:t>
             </a:r>
           </a:p>
         </p:txBody>
@@ -3988,7 +4002,7 @@
     </p:spTree>
     <p:extLst>
       <p:ext uri="{BB962C8B-B14F-4D97-AF65-F5344CB8AC3E}">
-        <p14:creationId xmlns:p14="http://schemas.microsoft.com/office/powerpoint/2010/main" val="547963219"/>
+        <p14:creationId xmlns:p14="http://schemas.microsoft.com/office/powerpoint/2010/main" val="3521061433"/>
       </p:ext>
     </p:extLst>
   </p:cSld>
@@ -4020,7 +4034,7 @@
           <p:cNvPr id="2" name="Title 1">
             <a:extLst>
               <a:ext uri="{FF2B5EF4-FFF2-40B4-BE49-F238E27FC236}">
-                <a16:creationId xmlns:a16="http://schemas.microsoft.com/office/drawing/2014/main" id="{5D28BA65-D8A2-7ABD-E811-2EE64A51B74E}"/>
+                <a16:creationId xmlns:a16="http://schemas.microsoft.com/office/drawing/2014/main" id="{618A73A7-0D74-2A71-E257-ADBE98D7BC76}"/>
               </a:ext>
             </a:extLst>
           </p:cNvPr>
@@ -4038,7 +4052,7 @@
           <a:p>
             <a:r>
               <a:rPr lang="en-US" dirty="0"/>
-              <a:t>Data Exploration Phase</a:t>
+              <a:t>Data Analysis Phase</a:t>
             </a:r>
           </a:p>
         </p:txBody>
@@ -4048,7 +4062,7 @@
           <p:cNvPr id="3" name="Content Placeholder 2">
             <a:extLst>
               <a:ext uri="{FF2B5EF4-FFF2-40B4-BE49-F238E27FC236}">
-                <a16:creationId xmlns:a16="http://schemas.microsoft.com/office/drawing/2014/main" id="{AB4173BE-0DBF-73FA-D2AD-66EDBAE84AF4}"/>
+                <a16:creationId xmlns:a16="http://schemas.microsoft.com/office/drawing/2014/main" id="{05621533-21BA-EF4C-94D1-6970A04B29AC}"/>
               </a:ext>
             </a:extLst>
           </p:cNvPr>
@@ -4066,30 +4080,6 @@
           <a:p>
             <a:r>
               <a:rPr lang="en-US" dirty="0"/>
-              <a:t>Sourcing and collecting datasets</a:t>
-            </a:r>
-          </a:p>
-          <a:p>
-            <a:r>
-              <a:rPr lang="en-US" dirty="0"/>
-              <a:t>Removal of unnecessary columns/parameters within datasets</a:t>
-            </a:r>
-          </a:p>
-          <a:p>
-            <a:r>
-              <a:rPr lang="en-US" dirty="0"/>
-              <a:t>Grouping ratings into brackets</a:t>
-            </a:r>
-          </a:p>
-          <a:p>
-            <a:r>
-              <a:rPr lang="en-US" dirty="0"/>
-              <a:t>Loading into SQL</a:t>
-            </a:r>
-          </a:p>
-          <a:p>
-            <a:r>
-              <a:rPr lang="en-US" dirty="0"/>
               <a:t>Creation of ML model</a:t>
             </a:r>
           </a:p>
@@ -4109,17 +4099,22 @@
           </a:p>
           <a:p>
             <a:r>
-              <a:rPr lang="en-US" dirty="0" err="1"/>
-              <a:t>Etc</a:t>
-            </a:r>
-            <a:endParaRPr lang="en-US" dirty="0"/>
+              <a:rPr lang="en-US" dirty="0"/>
+              <a:t>Brainstorming statistical analysis questions and methods</a:t>
+            </a:r>
+          </a:p>
+          <a:p>
+            <a:r>
+              <a:rPr lang="en-US" dirty="0"/>
+              <a:t>Storyboarding visualizations for once ML model has been run</a:t>
+            </a:r>
           </a:p>
         </p:txBody>
       </p:sp>
     </p:spTree>
     <p:extLst>
       <p:ext uri="{BB962C8B-B14F-4D97-AF65-F5344CB8AC3E}">
-        <p14:creationId xmlns:p14="http://schemas.microsoft.com/office/powerpoint/2010/main" val="3521061433"/>
+        <p14:creationId xmlns:p14="http://schemas.microsoft.com/office/powerpoint/2010/main" val="894111538"/>
       </p:ext>
     </p:extLst>
   </p:cSld>
@@ -4151,7 +4146,7 @@
           <p:cNvPr id="2" name="Title 1">
             <a:extLst>
               <a:ext uri="{FF2B5EF4-FFF2-40B4-BE49-F238E27FC236}">
-                <a16:creationId xmlns:a16="http://schemas.microsoft.com/office/drawing/2014/main" id="{618A73A7-0D74-2A71-E257-ADBE98D7BC76}"/>
+                <a16:creationId xmlns:a16="http://schemas.microsoft.com/office/drawing/2014/main" id="{E817894B-A887-A3A9-46C0-5A4531EFAF18}"/>
               </a:ext>
             </a:extLst>
           </p:cNvPr>
@@ -4169,7 +4164,7 @@
           <a:p>
             <a:r>
               <a:rPr lang="en-US" dirty="0"/>
-              <a:t>Data Analysis Phase</a:t>
+              <a:t>Statistical Analysis Questions</a:t>
             </a:r>
           </a:p>
         </p:txBody>
@@ -4179,7 +4174,7 @@
           <p:cNvPr id="3" name="Content Placeholder 2">
             <a:extLst>
               <a:ext uri="{FF2B5EF4-FFF2-40B4-BE49-F238E27FC236}">
-                <a16:creationId xmlns:a16="http://schemas.microsoft.com/office/drawing/2014/main" id="{05621533-21BA-EF4C-94D1-6970A04B29AC}"/>
+                <a16:creationId xmlns:a16="http://schemas.microsoft.com/office/drawing/2014/main" id="{2A76A4AC-39B8-A73A-7A0D-D87BC9527B7B}"/>
               </a:ext>
             </a:extLst>
           </p:cNvPr>
@@ -4195,14 +4190,140 @@
           <a:bodyPr/>
           <a:lstStyle/>
           <a:p>
-            <a:endParaRPr lang="en-US" dirty="0"/>
+            <a:r>
+              <a:rPr lang="en-US" dirty="0"/>
+              <a:t>What is the probability of win/lose/draw by color, and does that change by rating bracket?</a:t>
+            </a:r>
+          </a:p>
+          <a:p>
+            <a:r>
+              <a:rPr lang="en-US" dirty="0"/>
+              <a:t>What are the chances of winning based on ELO difference for both white and black, and does this change by rating bracket?</a:t>
+            </a:r>
+          </a:p>
+          <a:p>
+            <a:r>
+              <a:rPr lang="en-US" dirty="0"/>
+              <a:t>What is the most common opening overall and by rating bracket?</a:t>
+            </a:r>
+          </a:p>
+          <a:p>
+            <a:r>
+              <a:rPr lang="en-US" dirty="0"/>
+              <a:t>What opening has the highest win chance by color and by rating bracket?</a:t>
+            </a:r>
+          </a:p>
+          <a:p>
+            <a:r>
+              <a:rPr lang="en-US" dirty="0"/>
+              <a:t>What is the average number of games needed to improve by rating bracket?</a:t>
+            </a:r>
           </a:p>
         </p:txBody>
       </p:sp>
     </p:spTree>
     <p:extLst>
       <p:ext uri="{BB962C8B-B14F-4D97-AF65-F5344CB8AC3E}">
-        <p14:creationId xmlns:p14="http://schemas.microsoft.com/office/powerpoint/2010/main" val="894111538"/>
+        <p14:creationId xmlns:p14="http://schemas.microsoft.com/office/powerpoint/2010/main" val="296177981"/>
+      </p:ext>
+    </p:extLst>
+  </p:cSld>
+  <p:clrMapOvr>
+    <a:masterClrMapping/>
+  </p:clrMapOvr>
+</p:sld>
+</file>
+
+<file path=ppt/slides/slide9.xml><?xml version="1.0" encoding="utf-8"?>
+<p:sld xmlns:a="http://schemas.openxmlformats.org/drawingml/2006/main" xmlns:r="http://schemas.openxmlformats.org/officeDocument/2006/relationships" xmlns:p="http://schemas.openxmlformats.org/presentationml/2006/main">
+  <p:cSld>
+    <p:spTree>
+      <p:nvGrpSpPr>
+        <p:cNvPr id="1" name=""/>
+        <p:cNvGrpSpPr/>
+        <p:nvPr/>
+      </p:nvGrpSpPr>
+      <p:grpSpPr>
+        <a:xfrm>
+          <a:off x="0" y="0"/>
+          <a:ext cx="0" cy="0"/>
+          <a:chOff x="0" y="0"/>
+          <a:chExt cx="0" cy="0"/>
+        </a:xfrm>
+      </p:grpSpPr>
+      <p:sp>
+        <p:nvSpPr>
+          <p:cNvPr id="2" name="Title 1">
+            <a:extLst>
+              <a:ext uri="{FF2B5EF4-FFF2-40B4-BE49-F238E27FC236}">
+                <a16:creationId xmlns:a16="http://schemas.microsoft.com/office/drawing/2014/main" id="{3D735089-6101-C475-7014-DFA121A78FAC}"/>
+              </a:ext>
+            </a:extLst>
+          </p:cNvPr>
+          <p:cNvSpPr>
+            <a:spLocks noGrp="1"/>
+          </p:cNvSpPr>
+          <p:nvPr>
+            <p:ph type="title"/>
+          </p:nvPr>
+        </p:nvSpPr>
+        <p:spPr/>
+        <p:txBody>
+          <a:bodyPr/>
+          <a:lstStyle/>
+          <a:p>
+            <a:r>
+              <a:rPr lang="en-US" dirty="0"/>
+              <a:t>Machine Learning Questions</a:t>
+            </a:r>
+          </a:p>
+        </p:txBody>
+      </p:sp>
+      <p:sp>
+        <p:nvSpPr>
+          <p:cNvPr id="3" name="Content Placeholder 2">
+            <a:extLst>
+              <a:ext uri="{FF2B5EF4-FFF2-40B4-BE49-F238E27FC236}">
+                <a16:creationId xmlns:a16="http://schemas.microsoft.com/office/drawing/2014/main" id="{9AE1FB59-B7CB-93B4-BAA6-A7B6D57007B9}"/>
+              </a:ext>
+            </a:extLst>
+          </p:cNvPr>
+          <p:cNvSpPr>
+            <a:spLocks noGrp="1"/>
+          </p:cNvSpPr>
+          <p:nvPr>
+            <p:ph idx="1"/>
+          </p:nvPr>
+        </p:nvSpPr>
+        <p:spPr/>
+        <p:txBody>
+          <a:bodyPr/>
+          <a:lstStyle/>
+          <a:p>
+            <a:r>
+              <a:rPr lang="en-US" dirty="0"/>
+              <a:t>Does the opening matter?</a:t>
+            </a:r>
+          </a:p>
+          <a:p>
+            <a:pPr lvl="1"/>
+            <a:r>
+              <a:rPr lang="en-US" dirty="0"/>
+              <a:t>If an opening is determined by the first 5 moves, can a machine learning model predict (with a high degree of accuracy) a winner from a color’s first 5 moves?</a:t>
+            </a:r>
+          </a:p>
+          <a:p>
+            <a:r>
+              <a:rPr lang="en-US" dirty="0"/>
+              <a:t>Given an opening, player color, player rating difference, and number of moves, can a winner be predicted with a machine learning model?</a:t>
+            </a:r>
+          </a:p>
+        </p:txBody>
+      </p:sp>
+    </p:spTree>
+    <p:extLst>
+      <p:ext uri="{BB962C8B-B14F-4D97-AF65-F5344CB8AC3E}">
+        <p14:creationId xmlns:p14="http://schemas.microsoft.com/office/powerpoint/2010/main" val="547963219"/>
       </p:ext>
     </p:extLst>
   </p:cSld>
